--- a/NextCODE.pptx
+++ b/NextCODE.pptx
@@ -5472,6 +5472,9 @@
           </a:bodyPr>
           <a:lstStyle/>
           <a:p>
+            <a:pPr marL="0" indent="0">
+              <a:buNone/>
+            </a:pPr>
             <a:r>
               <a:rPr lang="en-US" sz="2000" dirty="0"/>
               <a:t>In this session the following arguments will be covered:</a:t>
